--- a/Documentation/Design Show Poster/Senior Design Show Poster Commented Second Draft.pptx
+++ b/Documentation/Design Show Poster/Senior Design Show Poster Commented Second Draft.pptx
@@ -109,7 +109,7 @@
   </p:defaultTextStyle>
   <p:extLst>
     <p:ext uri="{EFAFB233-063F-42B5-8137-9DF3F51BA10A}">
-      <p15:sldGuideLst xmlns:p15="http://schemas.microsoft.com/office/powerpoint/2012/main">
+      <p15:sldGuideLst xmlns:p15="http://schemas.microsoft.com/office/powerpoint/2012/main" xmlns="">
         <p15:guide id="1" orient="horz" pos="9216">
           <p15:clr>
             <a:srgbClr val="A4A3A4"/>
@@ -208,7 +208,7 @@
           <a:p>
             <a:fld id="{E3D639CF-A740-4B86-8CAE-05CA98BC618C}" type="datetimeFigureOut">
               <a:rPr lang="en-US" smtClean="0"/>
-              <a:t>5/18/2015</a:t>
+              <a:t>5/19/2015</a:t>
             </a:fld>
             <a:endParaRPr lang="en-US"/>
           </a:p>
@@ -741,7 +741,7 @@
           <a:p>
             <a:fld id="{08F7D037-1E52-45C7-976A-93EFD4975647}" type="datetimeFigureOut">
               <a:rPr lang="en-US" smtClean="0"/>
-              <a:t>5/18/2015</a:t>
+              <a:t>5/19/2015</a:t>
             </a:fld>
             <a:endParaRPr lang="en-US"/>
           </a:p>
@@ -911,7 +911,7 @@
           <a:p>
             <a:fld id="{08F7D037-1E52-45C7-976A-93EFD4975647}" type="datetimeFigureOut">
               <a:rPr lang="en-US" smtClean="0"/>
-              <a:t>5/18/2015</a:t>
+              <a:t>5/19/2015</a:t>
             </a:fld>
             <a:endParaRPr lang="en-US"/>
           </a:p>
@@ -1091,7 +1091,7 @@
           <a:p>
             <a:fld id="{08F7D037-1E52-45C7-976A-93EFD4975647}" type="datetimeFigureOut">
               <a:rPr lang="en-US" smtClean="0"/>
-              <a:t>5/18/2015</a:t>
+              <a:t>5/19/2015</a:t>
             </a:fld>
             <a:endParaRPr lang="en-US"/>
           </a:p>
@@ -1261,7 +1261,7 @@
           <a:p>
             <a:fld id="{08F7D037-1E52-45C7-976A-93EFD4975647}" type="datetimeFigureOut">
               <a:rPr lang="en-US" smtClean="0"/>
-              <a:t>5/18/2015</a:t>
+              <a:t>5/19/2015</a:t>
             </a:fld>
             <a:endParaRPr lang="en-US"/>
           </a:p>
@@ -1507,7 +1507,7 @@
           <a:p>
             <a:fld id="{08F7D037-1E52-45C7-976A-93EFD4975647}" type="datetimeFigureOut">
               <a:rPr lang="en-US" smtClean="0"/>
-              <a:t>5/18/2015</a:t>
+              <a:t>5/19/2015</a:t>
             </a:fld>
             <a:endParaRPr lang="en-US"/>
           </a:p>
@@ -1795,7 +1795,7 @@
           <a:p>
             <a:fld id="{08F7D037-1E52-45C7-976A-93EFD4975647}" type="datetimeFigureOut">
               <a:rPr lang="en-US" smtClean="0"/>
-              <a:t>5/18/2015</a:t>
+              <a:t>5/19/2015</a:t>
             </a:fld>
             <a:endParaRPr lang="en-US"/>
           </a:p>
@@ -2222,7 +2222,7 @@
           <a:p>
             <a:fld id="{08F7D037-1E52-45C7-976A-93EFD4975647}" type="datetimeFigureOut">
               <a:rPr lang="en-US" smtClean="0"/>
-              <a:t>5/18/2015</a:t>
+              <a:t>5/19/2015</a:t>
             </a:fld>
             <a:endParaRPr lang="en-US"/>
           </a:p>
@@ -2340,7 +2340,7 @@
           <a:p>
             <a:fld id="{08F7D037-1E52-45C7-976A-93EFD4975647}" type="datetimeFigureOut">
               <a:rPr lang="en-US" smtClean="0"/>
-              <a:t>5/18/2015</a:t>
+              <a:t>5/19/2015</a:t>
             </a:fld>
             <a:endParaRPr lang="en-US"/>
           </a:p>
@@ -2435,7 +2435,7 @@
           <a:p>
             <a:fld id="{08F7D037-1E52-45C7-976A-93EFD4975647}" type="datetimeFigureOut">
               <a:rPr lang="en-US" smtClean="0"/>
-              <a:t>5/18/2015</a:t>
+              <a:t>5/19/2015</a:t>
             </a:fld>
             <a:endParaRPr lang="en-US"/>
           </a:p>
@@ -2712,7 +2712,7 @@
           <a:p>
             <a:fld id="{08F7D037-1E52-45C7-976A-93EFD4975647}" type="datetimeFigureOut">
               <a:rPr lang="en-US" smtClean="0"/>
-              <a:t>5/18/2015</a:t>
+              <a:t>5/19/2015</a:t>
             </a:fld>
             <a:endParaRPr lang="en-US"/>
           </a:p>
@@ -2965,7 +2965,7 @@
           <a:p>
             <a:fld id="{08F7D037-1E52-45C7-976A-93EFD4975647}" type="datetimeFigureOut">
               <a:rPr lang="en-US" smtClean="0"/>
-              <a:t>5/18/2015</a:t>
+              <a:t>5/19/2015</a:t>
             </a:fld>
             <a:endParaRPr lang="en-US"/>
           </a:p>
@@ -3178,7 +3178,7 @@
           <a:p>
             <a:fld id="{08F7D037-1E52-45C7-976A-93EFD4975647}" type="datetimeFigureOut">
               <a:rPr lang="en-US" smtClean="0"/>
-              <a:t>5/18/2015</a:t>
+              <a:t>5/19/2015</a:t>
             </a:fld>
             <a:endParaRPr lang="en-US"/>
           </a:p>
@@ -3751,23 +3751,7 @@
             <a:pPr algn="just"/>
             <a:r>
               <a:rPr lang="en-US" sz="2000" dirty="0" smtClean="0"/>
-              <a:t>Recently there has been a decline in interest and proficiency related to science, technology, engineering, and mathematics (STEM) fields. According to a 2013 survey by Junior Achievement USA, 46% of US teenagers showed interest in pursuing a STEM or medical related career, which was a 15% decrease from previous years. In </a:t>
-            </a:r>
-            <a:r>
-              <a:rPr lang="en-US" sz="2000" dirty="0" smtClean="0"/>
-              <a:t>addition, </a:t>
-            </a:r>
-            <a:r>
-              <a:rPr lang="en-US" sz="2000" dirty="0" smtClean="0"/>
-              <a:t>there is a huge deficit of fluid power engineers in the United States with only 1% of Universities with engineering programs teaching a fluid power concentration. It has also been shown by a study conducted at the University of Nebraska that introducing students to topics in robotics not only improves their attitude towards STEM topics, but also </a:t>
-            </a:r>
-            <a:r>
-              <a:rPr lang="en-US" sz="2000" dirty="0" smtClean="0"/>
-              <a:t>increases </a:t>
-            </a:r>
-            <a:r>
-              <a:rPr lang="en-US" sz="2000" dirty="0" smtClean="0"/>
-              <a:t>their self-efficacy of topics within robotics.</a:t>
+              <a:t>Recently there has been a decline in interest and proficiency related to science, technology, engineering, and mathematics (STEM) fields. According to a 2013 survey by Junior Achievement USA, 46% of US teenagers showed interest in pursuing a STEM or medical related career, which was a 15% decrease from previous years. In addition, there is a huge deficit of fluid power engineers in the United States with only 1% of Universities with engineering programs teaching a fluid power concentration. It has also been shown by a study conducted at the University of Nebraska that introducing students to topics in robotics not only improves their attitude towards STEM topics, but also increases their self-efficacy of topics within robotics.</a:t>
             </a:r>
             <a:endParaRPr lang="en-US" sz="2000" dirty="0"/>
           </a:p>
@@ -3781,8 +3765,8 @@
         </p:nvGrpSpPr>
         <p:grpSpPr>
           <a:xfrm>
-            <a:off x="1585237" y="22783798"/>
-            <a:ext cx="6949163" cy="4089395"/>
+            <a:off x="1585237" y="23015377"/>
+            <a:ext cx="6949163" cy="3857816"/>
             <a:chOff x="2118637" y="23001954"/>
             <a:chExt cx="4987788" cy="2935179"/>
           </a:xfrm>
@@ -3910,11 +3894,7 @@
             <a:pPr algn="ctr"/>
             <a:r>
               <a:rPr lang="en-US" sz="4000" dirty="0" smtClean="0"/>
-              <a:t>Team ARC: Logan Beaver, Justin Campbell, Tyler </a:t>
-            </a:r>
-            <a:r>
-              <a:rPr lang="en-US" sz="4000" dirty="0" smtClean="0"/>
-              <a:t>Paddock</a:t>
+              <a:t>Team ARC: Logan Beaver, Justin Campbell, Tyler Paddock</a:t>
             </a:r>
             <a:r>
               <a:rPr lang="en-US" sz="4000" dirty="0" smtClean="0">
@@ -3926,11 +3906,7 @@
             </a:r>
             <a:r>
               <a:rPr lang="en-US" sz="4000" dirty="0" smtClean="0"/>
-              <a:t> </a:t>
-            </a:r>
-            <a:r>
-              <a:rPr lang="en-US" sz="4000" dirty="0" smtClean="0"/>
-              <a:t>Ron Shipman</a:t>
+              <a:t> Ron Shipman</a:t>
             </a:r>
           </a:p>
           <a:p>
@@ -4266,11 +4242,7 @@
               </a:r>
               <a:r>
                 <a:rPr lang="en-US" sz="2000" dirty="0" smtClean="0"/>
-                <a:t>robot </a:t>
-              </a:r>
-              <a:r>
-                <a:rPr lang="en-US" sz="2000" dirty="0" smtClean="0"/>
-                <a:t>the user sends a direction request to the Java Graphical User Interface (GUI), which encodes the request and wirelessly transmits it to the robot’s onboard Arduino microcontroller. The microcontroller then updates the robot’s desired foot positions based on its current state.</a:t>
+                <a:t>robot the user sends a direction request to the Java Graphical User Interface (GUI), which encodes the request and wirelessly transmits it to the robot’s onboard Arduino microcontroller. The microcontroller then updates the robot’s desired foot positions based on its current state.</a:t>
               </a:r>
             </a:p>
             <a:p>
@@ -6557,11 +6529,7 @@
                 </a:r>
                 <a:r>
                   <a:rPr lang="en-US" sz="1600" dirty="0" smtClean="0"/>
-                  <a:t> High </a:t>
-                </a:r>
-                <a:r>
-                  <a:rPr lang="en-US" sz="1600" dirty="0" smtClean="0"/>
-                  <a:t>Level Communication System Diagram</a:t>
+                  <a:t> High Level Communication System Diagram</a:t>
                 </a:r>
                 <a:endParaRPr lang="en-US" sz="1600" dirty="0"/>
               </a:p>
@@ -6673,19 +6641,7 @@
             </a:r>
             <a:r>
               <a:rPr lang="en-US" sz="1600" dirty="0" smtClean="0"/>
-              <a:t>Block </a:t>
-            </a:r>
-            <a:r>
-              <a:rPr lang="en-US" sz="1600" dirty="0" smtClean="0"/>
-              <a:t>diagram for a single leg controller. The left loop determines the desired cylinder legs based on the current foot position. The right loop is a PID controller for a single leg which moves </a:t>
-            </a:r>
-            <a:r>
-              <a:rPr lang="en-US" sz="1600" dirty="0" smtClean="0"/>
-              <a:t>the foot </a:t>
-            </a:r>
-            <a:r>
-              <a:rPr lang="en-US" sz="1600" dirty="0" smtClean="0"/>
-              <a:t>into position. For a full robot there are eight copies of the right loop.</a:t>
+              <a:t>Block diagram for a single leg controller. The left loop determines the desired cylinder legs based on the current foot position. The right loop is a PID controller for a single leg which moves the foot into position. For a full robot there are eight copies of the right loop.</a:t>
             </a:r>
             <a:endParaRPr lang="en-US" sz="1600" dirty="0"/>
           </a:p>
@@ -6755,15 +6711,7 @@
             <a:p>
               <a:r>
                 <a:rPr lang="en-US" sz="2000" dirty="0" smtClean="0"/>
-                <a:t>The Arduino Mega microcontroller outputs </a:t>
-              </a:r>
-              <a:r>
-                <a:rPr lang="en-US" sz="2000" dirty="0" smtClean="0"/>
-                <a:t>pulse-width </a:t>
-              </a:r>
-              <a:r>
-                <a:rPr lang="en-US" sz="2000" dirty="0" smtClean="0"/>
-                <a:t>modulated signals which are converted into analog signals </a:t>
+                <a:t>The Arduino Mega microcontroller outputs pulse-width modulated signals which are converted into analog signals </a:t>
               </a:r>
               <a:r>
                 <a:rPr lang="en-US" sz="2000" dirty="0" smtClean="0">
@@ -6771,43 +6719,11 @@
                     <a:srgbClr val="FF0000"/>
                   </a:solidFill>
                 </a:rPr>
-                <a:t>using </a:t>
-              </a:r>
-              <a:r>
-                <a:rPr lang="en-US" sz="2000" dirty="0" smtClean="0">
-                  <a:solidFill>
-                    <a:srgbClr val="FF0000"/>
-                  </a:solidFill>
-                </a:rPr>
-                <a:t>a signal conditioning circuit consisting of a low </a:t>
-              </a:r>
-              <a:r>
-                <a:rPr lang="en-US" sz="2000" dirty="0" smtClean="0">
-                  <a:solidFill>
-                    <a:srgbClr val="FF0000"/>
-                  </a:solidFill>
-                </a:rPr>
-                <a:t>pass filter and </a:t>
-              </a:r>
-              <a:r>
-                <a:rPr lang="en-US" sz="2000" dirty="0" smtClean="0">
-                  <a:solidFill>
-                    <a:srgbClr val="FF0000"/>
-                  </a:solidFill>
-                </a:rPr>
-                <a:t>a second-stage amplifier</a:t>
+                <a:t>using a signal conditioning circuit consisting of a low pass filter and a second-stage amplifier</a:t>
               </a:r>
               <a:r>
                 <a:rPr lang="en-US" sz="2000" dirty="0" smtClean="0"/>
-                <a:t>. </a:t>
-              </a:r>
-              <a:r>
-                <a:rPr lang="en-US" sz="2000" dirty="0" smtClean="0"/>
-                <a:t>The analog signal directly controls the </a:t>
-              </a:r>
-              <a:r>
-                <a:rPr lang="en-US" sz="2000" dirty="0" smtClean="0"/>
-                <a:t>valve </a:t>
+                <a:t>. The analog signal directly controls the valve </a:t>
               </a:r>
               <a:r>
                 <a:rPr lang="en-US" sz="2000" dirty="0" smtClean="0">
@@ -6819,15 +6735,7 @@
               </a:r>
               <a:r>
                 <a:rPr lang="en-US" sz="2000" dirty="0" smtClean="0"/>
-                <a:t> </a:t>
-              </a:r>
-              <a:r>
-                <a:rPr lang="en-US" sz="2000" dirty="0" smtClean="0"/>
-                <a:t>on the pneumatic </a:t>
-              </a:r>
-              <a:r>
-                <a:rPr lang="en-US" sz="2000" dirty="0" smtClean="0"/>
-                <a:t>subsystem (</a:t>
+                <a:t> on the pneumatic subsystem (</a:t>
               </a:r>
               <a:r>
                 <a:rPr lang="en-US" sz="2000" dirty="0" smtClean="0">
@@ -6839,11 +6747,7 @@
               </a:r>
               <a:r>
                 <a:rPr lang="en-US" sz="2000" dirty="0" smtClean="0"/>
-                <a:t>). </a:t>
-              </a:r>
-              <a:r>
-                <a:rPr lang="en-US" sz="2000" dirty="0" smtClean="0"/>
-                <a:t>Sensors inside the pneumatic cylinders are used as feedback to the control running on the Arduino microcontroller.</a:t>
+                <a:t>). Sensors inside the pneumatic cylinders are used as feedback to the control running on the Arduino microcontroller.</a:t>
               </a:r>
             </a:p>
           </p:txBody>
@@ -8263,11 +8167,7 @@
                     </a:r>
                     <a:r>
                       <a:rPr lang="en-US" sz="1600" dirty="0" smtClean="0"/>
-                      <a:t>: Top </a:t>
-                    </a:r>
-                    <a:r>
-                      <a:rPr lang="en-US" sz="1600" dirty="0" smtClean="0"/>
-                      <a:t>and side view of the robot model’s convex support polygon and an induced tipping moment. The tipping moment is caused by the center of gravity being outside of the convex support polygon.</a:t>
+                      <a:t>: Top and side view of the robot model’s convex support polygon and an induced tipping moment. The tipping moment is caused by the center of gravity being outside of the convex support polygon.</a:t>
                     </a:r>
                     <a:endParaRPr lang="en-US" sz="1600" dirty="0"/>
                   </a:p>
@@ -8913,15 +8813,7 @@
             <a:pPr algn="just"/>
             <a:r>
               <a:rPr lang="en-US" sz="2000" dirty="0" smtClean="0"/>
-              <a:t>To address the existing challenges an educational </a:t>
-            </a:r>
-            <a:r>
-              <a:rPr lang="en-US" sz="2000" dirty="0" smtClean="0"/>
-              <a:t>robotic </a:t>
-            </a:r>
-            <a:r>
-              <a:rPr lang="en-US" sz="2000" dirty="0" smtClean="0"/>
-              <a:t>platform was developed to increase student interest in STEM fields, fluid power, and robotics through outreach opportunities, laboratory exercises, and research experiences.</a:t>
+              <a:t>To address the existing challenges an educational robotic platform was developed to increase student interest in STEM fields, fluid power, and robotics through outreach opportunities, laboratory exercises, and research experiences.</a:t>
             </a:r>
             <a:endParaRPr lang="en-US" sz="2000" dirty="0"/>
           </a:p>
@@ -9058,11 +8950,7 @@
               </a:r>
               <a:r>
                 <a:rPr lang="en-US" sz="1600" dirty="0" smtClean="0"/>
-                <a:t>Three </a:t>
-              </a:r>
-              <a:r>
-                <a:rPr lang="en-US" sz="1600" dirty="0" smtClean="0"/>
-                <a:t>slow gait patterns for a four legged robot. The drag and creep gait involve moving a single leg, and are statically stable. The walk gait involves moving two legs at once, and is dynamically stable.</a:t>
+                <a:t>Three slow gait patterns for a four legged robot. The drag and creep gait involve moving a single leg, and are statically stable. The walk gait involves moving two legs at once, and is dynamically stable.</a:t>
               </a:r>
               <a:endParaRPr lang="en-US" sz="1600" dirty="0"/>
             </a:p>
@@ -9169,11 +9057,7 @@
               </a:r>
               <a:r>
                 <a:rPr lang="en-US" sz="1600" dirty="0" smtClean="0"/>
-                <a:t>The </a:t>
-              </a:r>
-              <a:r>
-                <a:rPr lang="en-US" sz="1600" dirty="0" smtClean="0"/>
-                <a:t>pneumatic circuit diagram for a single cylinder. Eight of these work in parallel to move the robot’s four legs.</a:t>
+                <a:t>The pneumatic circuit diagram for a single cylinder. Eight of these work in parallel to move the robot’s four legs.</a:t>
               </a:r>
               <a:endParaRPr lang="en-US" sz="1600" dirty="0"/>
             </a:p>
@@ -10996,7 +10880,7 @@
         <p:spPr>
           <a:xfrm>
             <a:off x="657196" y="20768608"/>
-            <a:ext cx="9525000" cy="1938992"/>
+            <a:ext cx="9525000" cy="2246769"/>
           </a:xfrm>
           <a:prstGeom prst="rect">
             <a:avLst/>
@@ -11012,19 +10896,15 @@
             <a:pPr algn="ctr"/>
             <a:r>
               <a:rPr lang="en-US" sz="2000" dirty="0" smtClean="0"/>
-              <a:t>The legs of the robot were machined from 6061 aluminum bar stock. Bar stock was chosen to increase the cross sectional area of the leg. The extra area made it easier to attach the cylinders to the leg while also reducing the risk of buckling. The bend in the upper shank was created by welding two segments of bar stock together, and was done to create more convenient cylinder attachment locations. A static FE analysis was performed on the legs and can be seen in the following figure</a:t>
+              <a:t>The legs of the robot were machined from 6061 aluminum bar stock. Bar stock was chosen to increase the cross sectional area of the leg. The extra area made it easier to attach the cylinders to the leg while also reducing the risk of buckling. The bend in the upper shank was created by welding two segments of bar stock together, and was done to create more convenient cylinder attachment locations. A static FE analysis </a:t>
             </a:r>
             <a:r>
               <a:rPr lang="en-US" sz="2000" dirty="0" smtClean="0"/>
-              <a:t>: </a:t>
-            </a:r>
-            <a:r>
-              <a:rPr lang="en-US" sz="2000" dirty="0" smtClean="0">
-                <a:solidFill>
-                  <a:srgbClr val="FF0000"/>
-                </a:solidFill>
-              </a:rPr>
-              <a:t>(What were the conditions for the analysis?)</a:t>
+              <a:t>, using kept Quad 8 elements and planar forces, was </a:t>
+            </a:r>
+            <a:r>
+              <a:rPr lang="en-US" sz="2000" dirty="0" smtClean="0"/>
+              <a:t>performed on the legs and can be seen in the following figure: </a:t>
             </a:r>
             <a:endParaRPr lang="en-US" sz="2000" dirty="0" smtClean="0">
               <a:solidFill>
@@ -11102,11 +10982,7 @@
               </a:r>
               <a:r>
                 <a:rPr lang="en-US" sz="1600" dirty="0" smtClean="0"/>
-                <a:t>FE </a:t>
-              </a:r>
-              <a:r>
-                <a:rPr lang="en-US" sz="1600" dirty="0" smtClean="0"/>
-                <a:t>Analysis performed on the chassis in ANSYS. The simulation assumed a worst case static loading where the joints lock up completely during motion. The maximum stress was found to be 240 </a:t>
+                <a:t>FE Analysis performed on the chassis in ANSYS. The simulation assumed a worst case static loading where the joints lock up completely during motion. The maximum stress was found to be 240 </a:t>
               </a:r>
               <a:r>
                 <a:rPr lang="en-US" sz="1600" dirty="0" err="1" smtClean="0"/>
@@ -11153,11 +11029,7 @@
             </a:r>
             <a:r>
               <a:rPr lang="en-US" sz="1600" dirty="0" smtClean="0"/>
-              <a:t>The </a:t>
-            </a:r>
-            <a:r>
-              <a:rPr lang="en-US" sz="1600" dirty="0" smtClean="0"/>
-              <a:t>FE analysis performed on the thigh (left) and shank (right). A flange was added to the thigh to reduce the overall stress in the weld. A maximum stress of 155 </a:t>
+              <a:t>The FE analysis performed on the thigh (left) and shank (right). A flange was added to the thigh to reduce the overall stress in the weld. A maximum stress of 155 </a:t>
             </a:r>
             <a:r>
               <a:rPr lang="en-US" sz="1600" dirty="0" err="1" smtClean="0"/>
@@ -12248,7 +12120,7 @@
   <a:extraClrSchemeLst/>
   <a:extLst>
     <a:ext uri="{05A4C25C-085E-4340-85A3-A5531E510DB2}">
-      <thm15:themeFamily xmlns:thm15="http://schemas.microsoft.com/office/thememl/2012/main" name="Office Theme" id="{62F939B6-93AF-4DB8-9C6B-D6C7DFDC589F}" vid="{4A3C46E8-61CC-4603-A589-7422A47A8E4A}"/>
+      <thm15:themeFamily xmlns:thm15="http://schemas.microsoft.com/office/thememl/2012/main" xmlns="" name="Office Theme" id="{62F939B6-93AF-4DB8-9C6B-D6C7DFDC589F}" vid="{4A3C46E8-61CC-4603-A589-7422A47A8E4A}"/>
     </a:ext>
   </a:extLst>
 </a:theme>
